--- a/Document/Preliminary Submissions/1. Ideation.pptx
+++ b/Document/Preliminary Submissions/1. Ideation.pptx
@@ -172,7 +172,7 @@
           <a:p>
             <a:fld id="{1D8BD707-D9CF-40AE-B4C6-C98DA3205C09}" type="datetimeFigureOut">
               <a:rPr lang="en-US"/>
-              <a:t>6/25/2023</a:t>
+              <a:t>6/27/2023</a:t>
             </a:fld>
             <a:endParaRPr lang="en-US"/>
           </a:p>
@@ -337,7 +337,7 @@
           <a:p>
             <a:fld id="{1D8BD707-D9CF-40AE-B4C6-C98DA3205C09}" type="datetimeFigureOut">
               <a:rPr lang="en-US"/>
-              <a:t>6/25/2023</a:t>
+              <a:t>6/27/2023</a:t>
             </a:fld>
             <a:endParaRPr lang="en-US"/>
           </a:p>
@@ -545,7 +545,7 @@
           <a:p>
             <a:fld id="{1D8BD707-D9CF-40AE-B4C6-C98DA3205C09}" type="datetimeFigureOut">
               <a:rPr lang="en-US"/>
-              <a:t>6/25/2023</a:t>
+              <a:t>6/27/2023</a:t>
             </a:fld>
             <a:endParaRPr lang="en-US"/>
           </a:p>
@@ -687,7 +687,7 @@
           <a:p>
             <a:fld id="{1D8BD707-D9CF-40AE-B4C6-C98DA3205C09}" type="datetimeFigureOut">
               <a:rPr lang="en-US"/>
-              <a:t>6/25/2023</a:t>
+              <a:t>6/27/2023</a:t>
             </a:fld>
             <a:endParaRPr lang="en-US"/>
           </a:p>
@@ -806,7 +806,7 @@
           <a:p>
             <a:fld id="{1D8BD707-D9CF-40AE-B4C6-C98DA3205C09}" type="datetimeFigureOut">
               <a:rPr lang="en-US"/>
-              <a:t>6/25/2023</a:t>
+              <a:t>6/27/2023</a:t>
             </a:fld>
             <a:endParaRPr lang="en-US"/>
           </a:p>
@@ -1041,7 +1041,7 @@
           <a:p>
             <a:fld id="{1D8BD707-D9CF-40AE-B4C6-C98DA3205C09}" type="datetimeFigureOut">
               <a:rPr lang="en-US"/>
-              <a:t>6/25/2023</a:t>
+              <a:t>6/27/2023</a:t>
             </a:fld>
             <a:endParaRPr lang="en-US"/>
           </a:p>
@@ -2711,21 +2711,7 @@
                 <a:latin typeface="+mn-ea"/>
                 <a:ea typeface="+mn-ea"/>
               </a:rPr>
-              <a:t>무단 </a:t>
-            </a:r>
-            <a:r>
-              <a:rPr lang="ko-KR" altLang="en-US" sz="1200" dirty="0" err="1">
-                <a:latin typeface="+mn-ea"/>
-                <a:ea typeface="+mn-ea"/>
-              </a:rPr>
-              <a:t>투기된</a:t>
-            </a:r>
-            <a:r>
-              <a:rPr lang="ko-KR" altLang="en-US" sz="1200" dirty="0">
-                <a:latin typeface="+mn-ea"/>
-                <a:ea typeface="+mn-ea"/>
-              </a:rPr>
-              <a:t> 쓰레기를 보고 불쾌함을 느낌</a:t>
+              <a:t>무단 투기 된 쓰레기를 보고 불쾌함을 느낌</a:t>
             </a:r>
             <a:endParaRPr lang="en-US" altLang="ko-KR" sz="1200" dirty="0">
               <a:latin typeface="+mn-ea"/>
@@ -2745,21 +2731,7 @@
                 <a:latin typeface="+mn-ea"/>
                 <a:ea typeface="+mn-ea"/>
               </a:rPr>
-              <a:t>무단 </a:t>
-            </a:r>
-            <a:r>
-              <a:rPr lang="ko-KR" altLang="en-US" sz="1200" dirty="0" err="1">
-                <a:latin typeface="+mn-ea"/>
-                <a:ea typeface="+mn-ea"/>
-              </a:rPr>
-              <a:t>투기된</a:t>
-            </a:r>
-            <a:r>
-              <a:rPr lang="ko-KR" altLang="en-US" sz="1200" dirty="0">
-                <a:latin typeface="+mn-ea"/>
-                <a:ea typeface="+mn-ea"/>
-              </a:rPr>
-              <a:t> 쓰레기의 악취를 맡고 불쾌함을 느낌</a:t>
+              <a:t>무단 투기 된 쓰레기의 악취를 맡고 불쾌함을 느낌</a:t>
             </a:r>
             <a:endParaRPr lang="en-US" altLang="ko-KR" sz="1200" dirty="0">
               <a:latin typeface="+mn-ea"/>
@@ -3191,7 +3163,7 @@
         <p:spPr>
           <a:xfrm>
             <a:off x="8615680" y="2831073"/>
-            <a:ext cx="4051109" cy="830997"/>
+            <a:ext cx="3554178" cy="646331"/>
           </a:xfrm>
           <a:prstGeom prst="rect">
             <a:avLst/>
@@ -3248,40 +3220,6 @@
                 <a:ea typeface="+mn-ea"/>
               </a:rPr>
               <a:t>지자체에서는 문제 해결을 위한 예산을 투입함</a:t>
-            </a:r>
-            <a:br>
-              <a:rPr lang="en-US" altLang="ko-KR" sz="1200" dirty="0">
-                <a:latin typeface="+mn-ea"/>
-                <a:ea typeface="+mn-ea"/>
-              </a:rPr>
-            </a:br>
-            <a:r>
-              <a:rPr lang="en-US" altLang="ko-KR" sz="1200" dirty="0">
-                <a:latin typeface="+mn-ea"/>
-                <a:ea typeface="+mn-ea"/>
-              </a:rPr>
-              <a:t>ex) </a:t>
-            </a:r>
-            <a:r>
-              <a:rPr lang="ko-KR" altLang="en-US" sz="1200" dirty="0">
-                <a:latin typeface="+mn-ea"/>
-                <a:ea typeface="+mn-ea"/>
-              </a:rPr>
-              <a:t>단속 실행</a:t>
-            </a:r>
-            <a:r>
-              <a:rPr lang="en-US" altLang="ko-KR" sz="1200" dirty="0">
-                <a:latin typeface="+mn-ea"/>
-                <a:ea typeface="+mn-ea"/>
-              </a:rPr>
-              <a:t>, </a:t>
-            </a:r>
-            <a:r>
-              <a:rPr lang="ko-KR" altLang="en-US" sz="1200" dirty="0">
-                <a:latin typeface="+mn-ea"/>
-                <a:ea typeface="+mn-ea"/>
-              </a:rPr>
-              <a:t>경고문구를 소리로 출력하는 장치 설치</a:t>
             </a:r>
             <a:endParaRPr lang="en-US" altLang="ko-KR" sz="1200" dirty="0">
               <a:latin typeface="+mn-ea"/>
@@ -3305,7 +3243,7 @@
         <p:spPr>
           <a:xfrm>
             <a:off x="4353759" y="6282988"/>
-            <a:ext cx="4325223" cy="1938992"/>
+            <a:ext cx="4325223" cy="2492990"/>
           </a:xfrm>
           <a:prstGeom prst="rect">
             <a:avLst/>
@@ -3513,7 +3451,7 @@
                 <a:latin typeface="+mn-ea"/>
                 <a:ea typeface="+mn-ea"/>
               </a:rPr>
-              <a:t>직접 기록된 정보를 참고해서 단속 인력 배치</a:t>
+              <a:t>기록된 정보를 기반으로 단속 실행</a:t>
             </a:r>
             <a:endParaRPr lang="en-US" altLang="ko-KR" sz="1200" dirty="0">
               <a:latin typeface="+mn-ea"/>
@@ -3566,6 +3504,67 @@
               <a:buFontTx/>
               <a:buChar char="-"/>
             </a:pPr>
+            <a:r>
+              <a:rPr lang="ko-KR" altLang="en-US" sz="1200" dirty="0">
+                <a:latin typeface="+mn-ea"/>
+                <a:ea typeface="+mn-ea"/>
+              </a:rPr>
+              <a:t>기존의 </a:t>
+            </a:r>
+            <a:r>
+              <a:rPr lang="en-US" altLang="ko-KR" sz="1200" dirty="0">
+                <a:latin typeface="+mn-ea"/>
+                <a:ea typeface="+mn-ea"/>
+              </a:rPr>
+              <a:t>CCTV </a:t>
+            </a:r>
+            <a:r>
+              <a:rPr lang="ko-KR" altLang="en-US" sz="1200" dirty="0">
+                <a:latin typeface="+mn-ea"/>
+                <a:ea typeface="+mn-ea"/>
+              </a:rPr>
+              <a:t>설치만으로는 실효성이 없으나</a:t>
+            </a:r>
+            <a:r>
+              <a:rPr lang="en-US" altLang="ko-KR" sz="1200" dirty="0">
+                <a:latin typeface="+mn-ea"/>
+                <a:ea typeface="+mn-ea"/>
+              </a:rPr>
+              <a:t>,</a:t>
+            </a:r>
+            <a:br>
+              <a:rPr lang="en-US" altLang="ko-KR" sz="1200" dirty="0">
+                <a:latin typeface="+mn-ea"/>
+                <a:ea typeface="+mn-ea"/>
+              </a:rPr>
+            </a:br>
+            <a:r>
+              <a:rPr lang="en-US" altLang="ko-KR" sz="1200" dirty="0">
+                <a:latin typeface="+mn-ea"/>
+                <a:ea typeface="+mn-ea"/>
+              </a:rPr>
+              <a:t>CCTV</a:t>
+            </a:r>
+            <a:r>
+              <a:rPr lang="ko-KR" altLang="en-US" sz="1200" dirty="0">
+                <a:latin typeface="+mn-ea"/>
+                <a:ea typeface="+mn-ea"/>
+              </a:rPr>
+              <a:t>와 연동되는 기록 시스템을 활용함으로써</a:t>
+            </a:r>
+            <a:br>
+              <a:rPr lang="en-US" altLang="ko-KR" sz="1200" dirty="0">
+                <a:latin typeface="+mn-ea"/>
+                <a:ea typeface="+mn-ea"/>
+              </a:rPr>
+            </a:br>
+            <a:r>
+              <a:rPr lang="ko-KR" altLang="en-US" sz="1200" dirty="0">
+                <a:latin typeface="+mn-ea"/>
+                <a:ea typeface="+mn-ea"/>
+              </a:rPr>
+              <a:t>실효성 확보</a:t>
+            </a:r>
             <a:endParaRPr lang="en-US" altLang="ko-KR" sz="1200" dirty="0">
               <a:latin typeface="+mn-ea"/>
               <a:ea typeface="+mn-ea"/>
@@ -3576,6 +3575,197 @@
               <a:buFontTx/>
               <a:buChar char="-"/>
             </a:pPr>
+            <a:endParaRPr lang="en-US" altLang="ko-KR" sz="1200" dirty="0">
+              <a:latin typeface="+mn-ea"/>
+              <a:ea typeface="+mn-ea"/>
+            </a:endParaRPr>
+          </a:p>
+          <a:p>
+            <a:pPr marL="171450" indent="-171450">
+              <a:buFontTx/>
+              <a:buChar char="-"/>
+            </a:pPr>
+            <a:endParaRPr lang="en-US" altLang="ko-KR" sz="1200" dirty="0">
+              <a:latin typeface="+mn-ea"/>
+              <a:ea typeface="+mn-ea"/>
+            </a:endParaRPr>
+          </a:p>
+        </p:txBody>
+      </p:sp>
+      <p:sp>
+        <p:nvSpPr>
+          <p:cNvPr id="16" name="TextBox 15">
+            <a:extLst>
+              <a:ext uri="{FF2B5EF4-FFF2-40B4-BE49-F238E27FC236}">
+                <a16:creationId xmlns:a16="http://schemas.microsoft.com/office/drawing/2014/main" id="{A61694A9-3E64-613C-D6FF-A101EED01C07}"/>
+              </a:ext>
+            </a:extLst>
+          </p:cNvPr>
+          <p:cNvSpPr txBox="1"/>
+          <p:nvPr/>
+        </p:nvSpPr>
+        <p:spPr>
+          <a:xfrm>
+            <a:off x="8678982" y="6614487"/>
+            <a:ext cx="3276600" cy="276999"/>
+          </a:xfrm>
+          <a:prstGeom prst="rect">
+            <a:avLst/>
+          </a:prstGeom>
+          <a:noFill/>
+        </p:spPr>
+        <p:txBody>
+          <a:bodyPr wrap="square" rtlCol="0">
+            <a:spAutoFit/>
+          </a:bodyPr>
+          <a:lstStyle/>
+          <a:p>
+            <a:pPr marL="171450" indent="-171450">
+              <a:buFontTx/>
+              <a:buChar char="-"/>
+            </a:pPr>
+            <a:r>
+              <a:rPr lang="ko-KR" altLang="en-US" sz="1200" dirty="0">
+                <a:latin typeface="+mn-ea"/>
+                <a:ea typeface="+mn-ea"/>
+              </a:rPr>
+              <a:t>정부 어플리케이션을 통해 신고 접수</a:t>
+            </a:r>
+            <a:endParaRPr lang="en-US" altLang="ko-KR" sz="1200" dirty="0">
+              <a:latin typeface="+mn-ea"/>
+              <a:ea typeface="+mn-ea"/>
+            </a:endParaRPr>
+          </a:p>
+        </p:txBody>
+      </p:sp>
+      <p:sp>
+        <p:nvSpPr>
+          <p:cNvPr id="17" name="TextBox 16">
+            <a:extLst>
+              <a:ext uri="{FF2B5EF4-FFF2-40B4-BE49-F238E27FC236}">
+                <a16:creationId xmlns:a16="http://schemas.microsoft.com/office/drawing/2014/main" id="{9A4E2166-1C0A-B708-40EF-699608E1B96F}"/>
+              </a:ext>
+            </a:extLst>
+          </p:cNvPr>
+          <p:cNvSpPr txBox="1"/>
+          <p:nvPr/>
+        </p:nvSpPr>
+        <p:spPr>
+          <a:xfrm>
+            <a:off x="8700318" y="8067039"/>
+            <a:ext cx="3276600" cy="1200329"/>
+          </a:xfrm>
+          <a:prstGeom prst="rect">
+            <a:avLst/>
+          </a:prstGeom>
+          <a:noFill/>
+        </p:spPr>
+        <p:txBody>
+          <a:bodyPr wrap="square" rtlCol="0">
+            <a:spAutoFit/>
+          </a:bodyPr>
+          <a:lstStyle/>
+          <a:p>
+            <a:pPr marL="171450" indent="-171450">
+              <a:buFontTx/>
+              <a:buChar char="-"/>
+            </a:pPr>
+            <a:r>
+              <a:rPr lang="ko-KR" altLang="en-US" sz="1200" dirty="0">
+                <a:latin typeface="+mn-ea"/>
+                <a:ea typeface="+mn-ea"/>
+              </a:rPr>
+              <a:t>접수된 신고를 바탕으로 쓰레기 무단투기</a:t>
+            </a:r>
+            <a:r>
+              <a:rPr lang="en-US" altLang="ko-KR" sz="1200" dirty="0">
+                <a:latin typeface="+mn-ea"/>
+                <a:ea typeface="+mn-ea"/>
+              </a:rPr>
+              <a:t>, </a:t>
+            </a:r>
+            <a:r>
+              <a:rPr lang="ko-KR" altLang="en-US" sz="1200" dirty="0">
+                <a:latin typeface="+mn-ea"/>
+                <a:ea typeface="+mn-ea"/>
+              </a:rPr>
+              <a:t>금연구역 흡연 단속</a:t>
+            </a:r>
+            <a:endParaRPr lang="en-US" altLang="ko-KR" sz="1200" dirty="0">
+              <a:latin typeface="+mn-ea"/>
+              <a:ea typeface="+mn-ea"/>
+            </a:endParaRPr>
+          </a:p>
+          <a:p>
+            <a:pPr marL="171450" indent="-171450">
+              <a:buFontTx/>
+              <a:buChar char="-"/>
+            </a:pPr>
+            <a:r>
+              <a:rPr lang="ko-KR" altLang="en-US" sz="1200" dirty="0">
+                <a:latin typeface="+mn-ea"/>
+                <a:ea typeface="+mn-ea"/>
+              </a:rPr>
+              <a:t>금연구역 표지판 설치</a:t>
+            </a:r>
+            <a:endParaRPr lang="en-US" altLang="ko-KR" sz="1200" dirty="0">
+              <a:latin typeface="+mn-ea"/>
+              <a:ea typeface="+mn-ea"/>
+            </a:endParaRPr>
+          </a:p>
+          <a:p>
+            <a:pPr marL="171450" indent="-171450">
+              <a:buFontTx/>
+              <a:buChar char="-"/>
+            </a:pPr>
+            <a:r>
+              <a:rPr lang="ko-KR" altLang="en-US" sz="1200" dirty="0">
+                <a:latin typeface="+mn-ea"/>
+                <a:ea typeface="+mn-ea"/>
+              </a:rPr>
+              <a:t>쓰레기 무단 투기 금지 표지판 설치</a:t>
+            </a:r>
+            <a:endParaRPr lang="en-US" altLang="ko-KR" sz="1200" dirty="0">
+              <a:latin typeface="+mn-ea"/>
+              <a:ea typeface="+mn-ea"/>
+            </a:endParaRPr>
+          </a:p>
+          <a:p>
+            <a:pPr marL="171450" indent="-171450">
+              <a:buFontTx/>
+              <a:buChar char="-"/>
+            </a:pPr>
+            <a:r>
+              <a:rPr lang="ko-KR" altLang="en-US" sz="1200" dirty="0">
+                <a:latin typeface="+mn-ea"/>
+                <a:ea typeface="+mn-ea"/>
+              </a:rPr>
+              <a:t>불법행위 단속 강화</a:t>
+            </a:r>
+            <a:endParaRPr lang="en-US" altLang="ko-KR" sz="1200" dirty="0">
+              <a:latin typeface="+mn-ea"/>
+              <a:ea typeface="+mn-ea"/>
+            </a:endParaRPr>
+          </a:p>
+          <a:p>
+            <a:pPr marL="171450" indent="-171450">
+              <a:buFontTx/>
+              <a:buChar char="-"/>
+            </a:pPr>
+            <a:r>
+              <a:rPr lang="en-US" altLang="ko-KR" sz="1200" dirty="0">
+                <a:latin typeface="+mn-ea"/>
+                <a:ea typeface="+mn-ea"/>
+              </a:rPr>
+              <a:t>CCTV </a:t>
+            </a:r>
+            <a:r>
+              <a:rPr lang="ko-KR" altLang="en-US" sz="1200" dirty="0">
+                <a:latin typeface="+mn-ea"/>
+                <a:ea typeface="+mn-ea"/>
+              </a:rPr>
+              <a:t>설치</a:t>
+            </a:r>
             <a:endParaRPr lang="en-US" altLang="ko-KR" sz="1200" dirty="0">
               <a:latin typeface="+mn-ea"/>
               <a:ea typeface="+mn-ea"/>
